--- a/insights_ErvarMolina.pptx
+++ b/insights_ErvarMolina.pptx
@@ -225,7 +225,7 @@
             <a:pPr rtl="0"/>
             <a:fld id="{CE05BAE6-238D-4309-833D-AC68A5A22E67}" type="datetime1">
               <a:rPr lang="es-ES" noProof="1" smtClean="0"/>
-              <a:t>19/05/2024</a:t>
+              <a:t>24/05/2024</a:t>
             </a:fld>
             <a:endParaRPr lang="es-ES" noProof="1"/>
           </a:p>
@@ -407,7 +407,7 @@
             <a:pPr rtl="0"/>
             <a:fld id="{C06AD337-619F-4484-9ADC-954427F192AE}" type="datetime1">
               <a:rPr lang="es-ES" noProof="1" smtClean="0"/>
-              <a:t>19/05/2024</a:t>
+              <a:t>24/05/2024</a:t>
             </a:fld>
             <a:endParaRPr lang="es-ES" noProof="1"/>
           </a:p>
@@ -23148,40 +23148,6 @@
           <a:chExt cx="0" cy="0"/>
         </a:xfrm>
       </p:grpSpPr>
-      <p:sp>
-        <p:nvSpPr>
-          <p:cNvPr id="54" name="Título 53">
-            <a:extLst>
-              <a:ext uri="{FF2B5EF4-FFF2-40B4-BE49-F238E27FC236}">
-                <a16:creationId xmlns:a16="http://schemas.microsoft.com/office/drawing/2014/main" id="{DBE49DF2-C4C7-4EC0-BF95-00C033956ED5}"/>
-              </a:ext>
-            </a:extLst>
-          </p:cNvPr>
-          <p:cNvSpPr>
-            <a:spLocks noGrp="1"/>
-          </p:cNvSpPr>
-          <p:nvPr>
-            <p:ph type="title"/>
-          </p:nvPr>
-        </p:nvSpPr>
-        <p:spPr>
-          <a:xfrm>
-            <a:off x="-2859705" y="990726"/>
-            <a:ext cx="2378807" cy="1155453"/>
-          </a:xfrm>
-        </p:spPr>
-        <p:txBody>
-          <a:bodyPr rtlCol="0"/>
-          <a:lstStyle/>
-          <a:p>
-            <a:pPr rtl="0"/>
-            <a:r>
-              <a:rPr lang="es-ES" dirty="0"/>
-              <a:t>KNN</a:t>
-            </a:r>
-          </a:p>
-        </p:txBody>
-      </p:sp>
       <p:sp>
         <p:nvSpPr>
           <p:cNvPr id="14" name="Título 5">
@@ -26909,15 +26875,6 @@
 </file>
 
 <file path=customXml/item1.xml><?xml version="1.0" encoding="utf-8"?>
-<?mso-contentType ?>
-<FormTemplates xmlns="http://schemas.microsoft.com/sharepoint/v3/contenttype/forms">
-  <Display>DocumentLibraryForm</Display>
-  <Edit>DocumentLibraryForm</Edit>
-  <New>DocumentLibraryForm</New>
-</FormTemplates>
-</file>
-
-<file path=customXml/item2.xml><?xml version="1.0" encoding="utf-8"?>
 <ct:contentTypeSchema xmlns:ct="http://schemas.microsoft.com/office/2006/metadata/contentType" xmlns:ma="http://schemas.microsoft.com/office/2006/metadata/properties/metaAttributes" ct:_="" ma:_="" ma:contentTypeName="Document" ma:contentTypeID="0x01010079F111ED35F8CC479449609E8A0923A6" ma:contentTypeVersion="18" ma:contentTypeDescription="Create a new document." ma:contentTypeScope="" ma:versionID="22a266b9fa9a230c5a512669d8b298c3">
   <xsd:schema xmlns:xsd="http://www.w3.org/2001/XMLSchema" xmlns:xs="http://www.w3.org/2001/XMLSchema" xmlns:p="http://schemas.microsoft.com/office/2006/metadata/properties" xmlns:ns1="http://schemas.microsoft.com/sharepoint/v3" xmlns:ns2="71af3243-3dd4-4a8d-8c0d-dd76da1f02a5" xmlns:ns3="16c05727-aa75-4e4a-9b5f-8a80a1165891" xmlns:ns4="230e9df3-be65-4c73-a93b-d1236ebd677e" targetNamespace="http://schemas.microsoft.com/office/2006/metadata/properties" ma:root="true" ma:fieldsID="eddc33fff6b14141ee5c74a0d29ea6a1" ns1:_="" ns2:_="" ns3:_="" ns4:_="">
     <xsd:import namespace="http://schemas.microsoft.com/sharepoint/v3"/>
@@ -27193,6 +27150,15 @@
 </ct:contentTypeSchema>
 </file>
 
+<file path=customXml/item2.xml><?xml version="1.0" encoding="utf-8"?>
+<?mso-contentType ?>
+<FormTemplates xmlns="http://schemas.microsoft.com/sharepoint/v3/contenttype/forms">
+  <Display>DocumentLibraryForm</Display>
+  <Edit>DocumentLibraryForm</Edit>
+  <New>DocumentLibraryForm</New>
+</FormTemplates>
+</file>
+
 <file path=customXml/item3.xml><?xml version="1.0" encoding="utf-8"?>
 <p:properties xmlns:p="http://schemas.microsoft.com/office/2006/metadata/properties" xmlns:xsi="http://www.w3.org/2001/XMLSchema-instance" xmlns:pc="http://schemas.microsoft.com/office/infopath/2007/PartnerControls">
   <documentManagement>
@@ -27213,14 +27179,6 @@
 </file>
 
 <file path=customXml/itemProps1.xml><?xml version="1.0" encoding="utf-8"?>
-<ds:datastoreItem xmlns:ds="http://schemas.openxmlformats.org/officeDocument/2006/customXml" ds:itemID="{F49FD94B-CF2B-4485-954E-6805E96E51FA}">
-  <ds:schemaRefs>
-    <ds:schemaRef ds:uri="http://schemas.microsoft.com/sharepoint/v3/contenttype/forms"/>
-  </ds:schemaRefs>
-</ds:datastoreItem>
-</file>
-
-<file path=customXml/itemProps2.xml><?xml version="1.0" encoding="utf-8"?>
 <ds:datastoreItem xmlns:ds="http://schemas.openxmlformats.org/officeDocument/2006/customXml" ds:itemID="{1E5C9C91-7BEA-497B-8B74-808BB0864508}">
   <ds:schemaRefs>
     <ds:schemaRef ds:uri="http://schemas.microsoft.com/office/2006/metadata/contentType"/>
@@ -27237,6 +27195,14 @@
     <ds:schemaRef ds:uri="http://purl.org/dc/elements/1.1/"/>
     <ds:schemaRef ds:uri="http://purl.org/dc/terms/"/>
     <ds:schemaRef ds:uri="http://schemas.microsoft.com/internal/obd"/>
+  </ds:schemaRefs>
+</ds:datastoreItem>
+</file>
+
+<file path=customXml/itemProps2.xml><?xml version="1.0" encoding="utf-8"?>
+<ds:datastoreItem xmlns:ds="http://schemas.openxmlformats.org/officeDocument/2006/customXml" ds:itemID="{F49FD94B-CF2B-4485-954E-6805E96E51FA}">
+  <ds:schemaRefs>
+    <ds:schemaRef ds:uri="http://schemas.microsoft.com/sharepoint/v3/contenttype/forms"/>
   </ds:schemaRefs>
 </ds:datastoreItem>
 </file>

--- a/insights_ErvarMolina.pptx
+++ b/insights_ErvarMolina.pptx
@@ -26070,6 +26070,91 @@
           </a:p>
         </p:txBody>
       </p:sp>
+      <p:sp>
+        <p:nvSpPr>
+          <p:cNvPr id="2" name="CuadroTexto 1">
+            <a:extLst>
+              <a:ext uri="{FF2B5EF4-FFF2-40B4-BE49-F238E27FC236}">
+                <a16:creationId xmlns:a16="http://schemas.microsoft.com/office/drawing/2014/main" id="{4C969606-8020-E135-D539-AC5169661460}"/>
+              </a:ext>
+            </a:extLst>
+          </p:cNvPr>
+          <p:cNvSpPr txBox="1"/>
+          <p:nvPr/>
+        </p:nvSpPr>
+        <p:spPr>
+          <a:xfrm>
+            <a:off x="945572" y="6272235"/>
+            <a:ext cx="9382991" cy="369332"/>
+          </a:xfrm>
+          <a:prstGeom prst="rect">
+            <a:avLst/>
+          </a:prstGeom>
+          <a:noFill/>
+        </p:spPr>
+        <p:txBody>
+          <a:bodyPr wrap="square" rtlCol="0">
+            <a:spAutoFit/>
+          </a:bodyPr>
+          <a:lstStyle/>
+          <a:p>
+            <a:r>
+              <a:rPr lang="es-ES" dirty="0"/>
+              <a:t>Link Proyecto Completo </a:t>
+            </a:r>
+            <a:endParaRPr lang="es-AR" dirty="0"/>
+          </a:p>
+        </p:txBody>
+      </p:sp>
+      <p:sp>
+        <p:nvSpPr>
+          <p:cNvPr id="3" name="Flecha: a la derecha 2">
+            <a:hlinkClick r:id="rId3"/>
+            <a:extLst>
+              <a:ext uri="{FF2B5EF4-FFF2-40B4-BE49-F238E27FC236}">
+                <a16:creationId xmlns:a16="http://schemas.microsoft.com/office/drawing/2014/main" id="{84FDF682-7CEA-5081-5648-967A7CD4ADA9}"/>
+              </a:ext>
+            </a:extLst>
+          </p:cNvPr>
+          <p:cNvSpPr>
+            <a:spLocks noGrp="1" noRot="1" noMove="1" noResize="1" noEditPoints="1" noAdjustHandles="1" noChangeArrowheads="1" noChangeShapeType="1"/>
+          </p:cNvSpPr>
+          <p:nvPr/>
+        </p:nvSpPr>
+        <p:spPr>
+          <a:xfrm>
+            <a:off x="4035205" y="6223321"/>
+            <a:ext cx="978408" cy="484632"/>
+          </a:xfrm>
+          <a:prstGeom prst="rightArrow">
+            <a:avLst/>
+          </a:prstGeom>
+        </p:spPr>
+        <p:style>
+          <a:lnRef idx="2">
+            <a:schemeClr val="accent1">
+              <a:shade val="15000"/>
+            </a:schemeClr>
+          </a:lnRef>
+          <a:fillRef idx="1">
+            <a:schemeClr val="accent1"/>
+          </a:fillRef>
+          <a:effectRef idx="0">
+            <a:schemeClr val="accent1"/>
+          </a:effectRef>
+          <a:fontRef idx="minor">
+            <a:schemeClr val="lt1"/>
+          </a:fontRef>
+        </p:style>
+        <p:txBody>
+          <a:bodyPr rtlCol="0" anchor="ctr"/>
+          <a:lstStyle/>
+          <a:p>
+            <a:pPr algn="ctr"/>
+            <a:endParaRPr lang="es-AR"/>
+          </a:p>
+        </p:txBody>
+      </p:sp>
     </p:spTree>
     <p:extLst>
       <p:ext uri="{BB962C8B-B14F-4D97-AF65-F5344CB8AC3E}">
@@ -26875,6 +26960,15 @@
 </file>
 
 <file path=customXml/item1.xml><?xml version="1.0" encoding="utf-8"?>
+<?mso-contentType ?>
+<FormTemplates xmlns="http://schemas.microsoft.com/sharepoint/v3/contenttype/forms">
+  <Display>DocumentLibraryForm</Display>
+  <Edit>DocumentLibraryForm</Edit>
+  <New>DocumentLibraryForm</New>
+</FormTemplates>
+</file>
+
+<file path=customXml/item2.xml><?xml version="1.0" encoding="utf-8"?>
 <ct:contentTypeSchema xmlns:ct="http://schemas.microsoft.com/office/2006/metadata/contentType" xmlns:ma="http://schemas.microsoft.com/office/2006/metadata/properties/metaAttributes" ct:_="" ma:_="" ma:contentTypeName="Document" ma:contentTypeID="0x01010079F111ED35F8CC479449609E8A0923A6" ma:contentTypeVersion="18" ma:contentTypeDescription="Create a new document." ma:contentTypeScope="" ma:versionID="22a266b9fa9a230c5a512669d8b298c3">
   <xsd:schema xmlns:xsd="http://www.w3.org/2001/XMLSchema" xmlns:xs="http://www.w3.org/2001/XMLSchema" xmlns:p="http://schemas.microsoft.com/office/2006/metadata/properties" xmlns:ns1="http://schemas.microsoft.com/sharepoint/v3" xmlns:ns2="71af3243-3dd4-4a8d-8c0d-dd76da1f02a5" xmlns:ns3="16c05727-aa75-4e4a-9b5f-8a80a1165891" xmlns:ns4="230e9df3-be65-4c73-a93b-d1236ebd677e" targetNamespace="http://schemas.microsoft.com/office/2006/metadata/properties" ma:root="true" ma:fieldsID="eddc33fff6b14141ee5c74a0d29ea6a1" ns1:_="" ns2:_="" ns3:_="" ns4:_="">
     <xsd:import namespace="http://schemas.microsoft.com/sharepoint/v3"/>
@@ -27150,15 +27244,6 @@
 </ct:contentTypeSchema>
 </file>
 
-<file path=customXml/item2.xml><?xml version="1.0" encoding="utf-8"?>
-<?mso-contentType ?>
-<FormTemplates xmlns="http://schemas.microsoft.com/sharepoint/v3/contenttype/forms">
-  <Display>DocumentLibraryForm</Display>
-  <Edit>DocumentLibraryForm</Edit>
-  <New>DocumentLibraryForm</New>
-</FormTemplates>
-</file>
-
 <file path=customXml/item3.xml><?xml version="1.0" encoding="utf-8"?>
 <p:properties xmlns:p="http://schemas.microsoft.com/office/2006/metadata/properties" xmlns:xsi="http://www.w3.org/2001/XMLSchema-instance" xmlns:pc="http://schemas.microsoft.com/office/infopath/2007/PartnerControls">
   <documentManagement>
@@ -27179,6 +27264,14 @@
 </file>
 
 <file path=customXml/itemProps1.xml><?xml version="1.0" encoding="utf-8"?>
+<ds:datastoreItem xmlns:ds="http://schemas.openxmlformats.org/officeDocument/2006/customXml" ds:itemID="{F49FD94B-CF2B-4485-954E-6805E96E51FA}">
+  <ds:schemaRefs>
+    <ds:schemaRef ds:uri="http://schemas.microsoft.com/sharepoint/v3/contenttype/forms"/>
+  </ds:schemaRefs>
+</ds:datastoreItem>
+</file>
+
+<file path=customXml/itemProps2.xml><?xml version="1.0" encoding="utf-8"?>
 <ds:datastoreItem xmlns:ds="http://schemas.openxmlformats.org/officeDocument/2006/customXml" ds:itemID="{1E5C9C91-7BEA-497B-8B74-808BB0864508}">
   <ds:schemaRefs>
     <ds:schemaRef ds:uri="http://schemas.microsoft.com/office/2006/metadata/contentType"/>
@@ -27195,14 +27288,6 @@
     <ds:schemaRef ds:uri="http://purl.org/dc/elements/1.1/"/>
     <ds:schemaRef ds:uri="http://purl.org/dc/terms/"/>
     <ds:schemaRef ds:uri="http://schemas.microsoft.com/internal/obd"/>
-  </ds:schemaRefs>
-</ds:datastoreItem>
-</file>
-
-<file path=customXml/itemProps2.xml><?xml version="1.0" encoding="utf-8"?>
-<ds:datastoreItem xmlns:ds="http://schemas.openxmlformats.org/officeDocument/2006/customXml" ds:itemID="{F49FD94B-CF2B-4485-954E-6805E96E51FA}">
-  <ds:schemaRefs>
-    <ds:schemaRef ds:uri="http://schemas.microsoft.com/sharepoint/v3/contenttype/forms"/>
   </ds:schemaRefs>
 </ds:datastoreItem>
 </file>
